--- a/presentations/technical_lecture/enlight.pptx
+++ b/presentations/technical_lecture/enlight.pptx
@@ -3984,6 +3984,38 @@
           <a:bodyPr/>
           <a:lstStyle/>
           <a:p>
+            <a:r>
+              <a:rPr lang="en-US" u="sng" dirty="0">
+                <a:hlinkClick r:id="rId2"/>
+              </a:rPr>
+              <a:t>https://www.youtube.com/watch?v=P0ImcDi_B0o</a:t>
+            </a:r>
+          </a:p>
+          <a:p>
+            <a:r>
+              <a:rPr lang="en-US" u="sng" dirty="0">
+                <a:hlinkClick r:id="rId3"/>
+              </a:rPr>
+              <a:t>https://www.youtube.com/watch?v=5J053d4rVxA</a:t>
+            </a:r>
+          </a:p>
+          <a:p>
+            <a:r>
+              <a:rPr lang="en-US" u="sng" dirty="0">
+                <a:hlinkClick r:id="rId4"/>
+              </a:rPr>
+              <a:t>https://www.youtube.com/watch?v=v8sHauxOvxE</a:t>
+            </a:r>
+          </a:p>
+          <a:p>
+            <a:r>
+              <a:rPr lang="en-US" u="sng">
+                <a:hlinkClick r:id="rId5"/>
+              </a:rPr>
+              <a:t>https://www.youtube.com/watch?v=Fjzhygzafr0</a:t>
+            </a:r>
+          </a:p>
+          <a:p>
             <a:endParaRPr lang="en-US"/>
           </a:p>
         </p:txBody>
